--- a/Online_Movie_Ticket PPT.pptx
+++ b/Online_Movie_Ticket PPT.pptx
@@ -653,7 +653,7 @@
             <a:fld id="{B61BEF0D-F0BB-DE4B-95CE-6DB70DBA9567}" type="datetimeFigureOut">
               <a:rPr lang="en-US" dirty="0"/>
               <a:pPr/>
-              <a:t>8/25/2023</a:t>
+              <a:t>8/31/2023</a:t>
             </a:fld>
             <a:endParaRPr lang="en-US" dirty="0"/>
           </a:p>
@@ -946,7 +946,7 @@
             <a:fld id="{B61BEF0D-F0BB-DE4B-95CE-6DB70DBA9567}" type="datetimeFigureOut">
               <a:rPr lang="en-US" dirty="0"/>
               <a:pPr/>
-              <a:t>8/25/2023</a:t>
+              <a:t>8/31/2023</a:t>
             </a:fld>
             <a:endParaRPr lang="en-US" dirty="0"/>
           </a:p>
@@ -1191,7 +1191,7 @@
             <a:fld id="{B61BEF0D-F0BB-DE4B-95CE-6DB70DBA9567}" type="datetimeFigureOut">
               <a:rPr lang="en-US" dirty="0"/>
               <a:pPr/>
-              <a:t>8/25/2023</a:t>
+              <a:t>8/31/2023</a:t>
             </a:fld>
             <a:endParaRPr lang="en-US" dirty="0"/>
           </a:p>
@@ -1728,7 +1728,7 @@
             <a:fld id="{B61BEF0D-F0BB-DE4B-95CE-6DB70DBA9567}" type="datetimeFigureOut">
               <a:rPr lang="en-US" dirty="0"/>
               <a:pPr/>
-              <a:t>8/25/2023</a:t>
+              <a:t>8/31/2023</a:t>
             </a:fld>
             <a:endParaRPr lang="en-US" dirty="0"/>
           </a:p>
@@ -1973,7 +1973,7 @@
             <a:fld id="{B61BEF0D-F0BB-DE4B-95CE-6DB70DBA9567}" type="datetimeFigureOut">
               <a:rPr lang="en-US" dirty="0"/>
               <a:pPr/>
-              <a:t>8/25/2023</a:t>
+              <a:t>8/31/2023</a:t>
             </a:fld>
             <a:endParaRPr lang="en-US" dirty="0"/>
           </a:p>
@@ -2502,7 +2502,7 @@
             <a:fld id="{B61BEF0D-F0BB-DE4B-95CE-6DB70DBA9567}" type="datetimeFigureOut">
               <a:rPr lang="en-US" dirty="0"/>
               <a:pPr/>
-              <a:t>8/25/2023</a:t>
+              <a:t>8/31/2023</a:t>
             </a:fld>
             <a:endParaRPr lang="en-US" dirty="0"/>
           </a:p>
@@ -2796,7 +2796,7 @@
             <a:fld id="{B61BEF0D-F0BB-DE4B-95CE-6DB70DBA9567}" type="datetimeFigureOut">
               <a:rPr lang="en-US" dirty="0"/>
               <a:pPr/>
-              <a:t>8/25/2023</a:t>
+              <a:t>8/31/2023</a:t>
             </a:fld>
             <a:endParaRPr lang="en-US" dirty="0"/>
           </a:p>
@@ -2967,7 +2967,7 @@
             <a:fld id="{B61BEF0D-F0BB-DE4B-95CE-6DB70DBA9567}" type="datetimeFigureOut">
               <a:rPr lang="en-US" dirty="0"/>
               <a:pPr/>
-              <a:t>8/25/2023</a:t>
+              <a:t>8/31/2023</a:t>
             </a:fld>
             <a:endParaRPr lang="en-US" dirty="0"/>
           </a:p>
@@ -3144,7 +3144,7 @@
             <a:fld id="{B61BEF0D-F0BB-DE4B-95CE-6DB70DBA9567}" type="datetimeFigureOut">
               <a:rPr lang="en-US" dirty="0"/>
               <a:pPr/>
-              <a:t>8/25/2023</a:t>
+              <a:t>8/31/2023</a:t>
             </a:fld>
             <a:endParaRPr lang="en-US" dirty="0"/>
           </a:p>
@@ -3311,7 +3311,7 @@
             <a:fld id="{B61BEF0D-F0BB-DE4B-95CE-6DB70DBA9567}" type="datetimeFigureOut">
               <a:rPr lang="en-US" dirty="0"/>
               <a:pPr/>
-              <a:t>8/25/2023</a:t>
+              <a:t>8/31/2023</a:t>
             </a:fld>
             <a:endParaRPr lang="en-US" dirty="0"/>
           </a:p>
@@ -3559,7 +3559,7 @@
             <a:fld id="{B61BEF0D-F0BB-DE4B-95CE-6DB70DBA9567}" type="datetimeFigureOut">
               <a:rPr lang="en-US" dirty="0"/>
               <a:pPr/>
-              <a:t>8/25/2023</a:t>
+              <a:t>8/31/2023</a:t>
             </a:fld>
             <a:endParaRPr lang="en-US" dirty="0"/>
           </a:p>
@@ -3853,7 +3853,7 @@
             <a:fld id="{B61BEF0D-F0BB-DE4B-95CE-6DB70DBA9567}" type="datetimeFigureOut">
               <a:rPr lang="en-US" dirty="0"/>
               <a:pPr/>
-              <a:t>8/25/2023</a:t>
+              <a:t>8/31/2023</a:t>
             </a:fld>
             <a:endParaRPr lang="en-US" dirty="0"/>
           </a:p>
@@ -4292,7 +4292,7 @@
             <a:fld id="{B61BEF0D-F0BB-DE4B-95CE-6DB70DBA9567}" type="datetimeFigureOut">
               <a:rPr lang="en-US" dirty="0"/>
               <a:pPr/>
-              <a:t>8/25/2023</a:t>
+              <a:t>8/31/2023</a:t>
             </a:fld>
             <a:endParaRPr lang="en-US" dirty="0"/>
           </a:p>
@@ -4407,7 +4407,7 @@
             <a:fld id="{B61BEF0D-F0BB-DE4B-95CE-6DB70DBA9567}" type="datetimeFigureOut">
               <a:rPr lang="en-US" dirty="0"/>
               <a:pPr/>
-              <a:t>8/25/2023</a:t>
+              <a:t>8/31/2023</a:t>
             </a:fld>
             <a:endParaRPr lang="en-US" dirty="0"/>
           </a:p>
@@ -4499,7 +4499,7 @@
             <a:fld id="{B61BEF0D-F0BB-DE4B-95CE-6DB70DBA9567}" type="datetimeFigureOut">
               <a:rPr lang="en-US" dirty="0"/>
               <a:pPr/>
-              <a:t>8/25/2023</a:t>
+              <a:t>8/31/2023</a:t>
             </a:fld>
             <a:endParaRPr lang="en-US" dirty="0"/>
           </a:p>
@@ -4779,7 +4779,7 @@
             <a:fld id="{B61BEF0D-F0BB-DE4B-95CE-6DB70DBA9567}" type="datetimeFigureOut">
               <a:rPr lang="en-US" dirty="0"/>
               <a:pPr/>
-              <a:t>8/25/2023</a:t>
+              <a:t>8/31/2023</a:t>
             </a:fld>
             <a:endParaRPr lang="en-US" dirty="0"/>
           </a:p>
@@ -5067,7 +5067,7 @@
             <a:fld id="{B61BEF0D-F0BB-DE4B-95CE-6DB70DBA9567}" type="datetimeFigureOut">
               <a:rPr lang="en-US" dirty="0"/>
               <a:pPr/>
-              <a:t>8/25/2023</a:t>
+              <a:t>8/31/2023</a:t>
             </a:fld>
             <a:endParaRPr lang="en-US" dirty="0"/>
           </a:p>
@@ -5594,7 +5594,7 @@
             <a:fld id="{B61BEF0D-F0BB-DE4B-95CE-6DB70DBA9567}" type="datetimeFigureOut">
               <a:rPr lang="en-US" dirty="0"/>
               <a:pPr/>
-              <a:t>8/25/2023</a:t>
+              <a:t>8/31/2023</a:t>
             </a:fld>
             <a:endParaRPr lang="en-US" dirty="0"/>
           </a:p>
@@ -7089,7 +7089,7 @@
         </p:nvSpPr>
         <p:spPr>
           <a:xfrm>
-            <a:off x="2572279" y="3090248"/>
+            <a:off x="2090498" y="2284003"/>
             <a:ext cx="8930748" cy="2743882"/>
           </a:xfrm>
         </p:spPr>
